--- a/translations/he/beginner/BasicLineFollower.pptx
+++ b/translations/he/beginner/BasicLineFollower.pptx
@@ -1,6 +1,6 @@
 
 <file path=ppt/presentation.xml><?xml version="1.0" encoding="utf-8"?>
-<p:presentation xmlns:a="http://schemas.openxmlformats.org/drawingml/2006/main" xmlns:r="http://schemas.openxmlformats.org/officeDocument/2006/relationships" xmlns:p="http://schemas.openxmlformats.org/presentationml/2006/main" showSpecialPlsOnTitleSld="0" saveSubsetFonts="1" autoCompressPictures="0">
+<p:presentation xmlns:a="http://schemas.openxmlformats.org/drawingml/2006/main" xmlns:r="http://schemas.openxmlformats.org/officeDocument/2006/relationships" xmlns:p="http://schemas.openxmlformats.org/presentationml/2006/main" saveSubsetFonts="1" autoCompressPictures="0">
   <p:sldMasterIdLst>
     <p:sldMasterId id="2147483714" r:id="rId1"/>
   </p:sldMasterIdLst>
@@ -227,7 +227,7 @@
           <a:p>
             <a:fld id="{F8D9B3D7-15CB-9343-AA49-EFB5A8F33F18}" type="datetimeFigureOut">
               <a:rPr lang="en-US" smtClean="0"/>
-              <a:t>7/14/2015</a:t>
+              <a:t>11/4/2015</a:t>
             </a:fld>
             <a:endParaRPr lang="en-US"/>
           </a:p>
@@ -393,7 +393,7 @@
           <a:p>
             <a:fld id="{FD3EFF1E-85A1-6640-AFB9-C38833E80A84}" type="datetimeFigureOut">
               <a:rPr lang="en-US" smtClean="0"/>
-              <a:t>7/14/2015</a:t>
+              <a:t>11/4/2015</a:t>
             </a:fld>
             <a:endParaRPr lang="en-US"/>
           </a:p>
@@ -1549,9 +1549,9 @@
           <a:bodyPr/>
           <a:lstStyle/>
           <a:p>
-            <a:fld id="{DFEB761B-93B6-4F06-B1B1-18CE8B776B63}" type="datetime1">
+            <a:fld id="{27B1AE6E-0C0D-4335-8478-070ED004A68A}" type="datetime1">
               <a:rPr lang="en-US" smtClean="0"/>
-              <a:t>7/14/2015</a:t>
+              <a:t>11/4/2015</a:t>
             </a:fld>
             <a:endParaRPr lang="en-US"/>
           </a:p>
@@ -1574,7 +1574,7 @@
           <a:p>
             <a:r>
               <a:rPr lang="en-US" smtClean="0"/>
-              <a:t>© 2015 EV3Lessons.com (Last edit: 2/28/2015)</a:t>
+              <a:t>© 2015 EV3Lessons.com, Last Edit 5/30/2015</a:t>
             </a:r>
             <a:endParaRPr lang="en-US"/>
           </a:p>
@@ -1840,9 +1840,9 @@
           <a:bodyPr/>
           <a:lstStyle/>
           <a:p>
-            <a:fld id="{ED9FEDC6-6210-49BD-9CBD-95D1AAFCD29A}" type="datetime1">
+            <a:fld id="{6BF0C763-31CC-4535-86F5-9516F57B62DA}" type="datetime1">
               <a:rPr lang="en-US" smtClean="0"/>
-              <a:t>7/14/2015</a:t>
+              <a:t>11/4/2015</a:t>
             </a:fld>
             <a:endParaRPr lang="en-US"/>
           </a:p>
@@ -1865,7 +1865,7 @@
           <a:p>
             <a:r>
               <a:rPr lang="en-US" smtClean="0"/>
-              <a:t>© 2015 EV3Lessons.com (Last edit: 2/28/2015)</a:t>
+              <a:t>© 2015 EV3Lessons.com, Last Edit 5/30/2015</a:t>
             </a:r>
             <a:endParaRPr lang="en-US"/>
           </a:p>
@@ -2027,9 +2027,9 @@
           <a:bodyPr/>
           <a:lstStyle/>
           <a:p>
-            <a:fld id="{6971F44B-8CBC-44B6-AD55-CE65907D5BC2}" type="datetime1">
+            <a:fld id="{FD66DDD7-AF75-4317-B863-E123FABEB702}" type="datetime1">
               <a:rPr lang="en-US" smtClean="0"/>
-              <a:t>7/14/2015</a:t>
+              <a:t>11/4/2015</a:t>
             </a:fld>
             <a:endParaRPr lang="en-US"/>
           </a:p>
@@ -2052,7 +2052,7 @@
           <a:p>
             <a:r>
               <a:rPr lang="en-US" smtClean="0"/>
-              <a:t>© 2015 EV3Lessons.com (Last edit: 2/28/2015)</a:t>
+              <a:t>© 2015 EV3Lessons.com, Last Edit 5/30/2015</a:t>
             </a:r>
             <a:endParaRPr lang="en-US"/>
           </a:p>
@@ -2174,9 +2174,9 @@
           <a:bodyPr/>
           <a:lstStyle/>
           <a:p>
-            <a:fld id="{A254FE14-F29A-A446-8F9B-40B5B366C5BA}" type="datetime1">
+            <a:fld id="{607EA421-5AB7-471E-8266-DB19E6DE45F7}" type="datetime1">
               <a:rPr lang="en-US" smtClean="0"/>
-              <a:t>7/14/2015</a:t>
+              <a:t>11/4/2015</a:t>
             </a:fld>
             <a:endParaRPr lang="en-US"/>
           </a:p>
@@ -2714,9 +2714,9 @@
           <a:bodyPr/>
           <a:lstStyle/>
           <a:p>
-            <a:fld id="{B744FD62-63FF-49C2-8E55-5CF77D7A0691}" type="datetime1">
+            <a:fld id="{BB874FBF-11E5-44D2-A8B0-27176E018497}" type="datetime1">
               <a:rPr lang="en-US" smtClean="0"/>
-              <a:t>7/14/2015</a:t>
+              <a:t>11/4/2015</a:t>
             </a:fld>
             <a:endParaRPr lang="en-US"/>
           </a:p>
@@ -2739,7 +2739,7 @@
           <a:p>
             <a:r>
               <a:rPr lang="en-US" smtClean="0"/>
-              <a:t>© 2015 EV3Lessons.com (Last edit: 2/28/2015)</a:t>
+              <a:t>© 2015 EV3Lessons.com, Last Edit 5/30/2015</a:t>
             </a:r>
             <a:endParaRPr lang="en-US"/>
           </a:p>
@@ -2975,9 +2975,9 @@
           <a:bodyPr/>
           <a:lstStyle/>
           <a:p>
-            <a:fld id="{E0281C12-C1B2-4EB6-B00D-5EA047746BFE}" type="datetime1">
+            <a:fld id="{9292AA23-4CBF-476F-AEA0-D02BA29653EC}" type="datetime1">
               <a:rPr lang="en-US" smtClean="0"/>
-              <a:t>7/14/2015</a:t>
+              <a:t>11/4/2015</a:t>
             </a:fld>
             <a:endParaRPr lang="en-US"/>
           </a:p>
@@ -3000,7 +3000,7 @@
           <a:p>
             <a:r>
               <a:rPr lang="en-US" smtClean="0"/>
-              <a:t>© 2015 EV3Lessons.com (Last edit: 2/28/2015)</a:t>
+              <a:t>© 2015 EV3Lessons.com, Last Edit 5/30/2015</a:t>
             </a:r>
             <a:endParaRPr lang="en-US"/>
           </a:p>
@@ -3275,9 +3275,9 @@
           <a:bodyPr/>
           <a:lstStyle/>
           <a:p>
-            <a:fld id="{F7E73DC5-FABD-4CD0-9B35-897035875FB2}" type="datetime1">
+            <a:fld id="{85E09B47-499C-4710-8D20-34F521AB080C}" type="datetime1">
               <a:rPr lang="en-US" smtClean="0"/>
-              <a:t>7/14/2015</a:t>
+              <a:t>11/4/2015</a:t>
             </a:fld>
             <a:endParaRPr lang="en-US"/>
           </a:p>
@@ -3300,7 +3300,7 @@
           <a:p>
             <a:r>
               <a:rPr lang="en-US" smtClean="0"/>
-              <a:t>© 2015 EV3Lessons.com (Last edit: 2/28/2015)</a:t>
+              <a:t>© 2015 EV3Lessons.com, Last Edit 5/30/2015</a:t>
             </a:r>
             <a:endParaRPr lang="en-US"/>
           </a:p>
@@ -3726,9 +3726,9 @@
           <a:bodyPr/>
           <a:lstStyle/>
           <a:p>
-            <a:fld id="{6291E551-81A0-4A41-B672-39D202B67A67}" type="datetime1">
+            <a:fld id="{79461EAC-1815-484C-B279-07AD0992A77B}" type="datetime1">
               <a:rPr lang="en-US" smtClean="0"/>
-              <a:t>7/14/2015</a:t>
+              <a:t>11/4/2015</a:t>
             </a:fld>
             <a:endParaRPr lang="en-US"/>
           </a:p>
@@ -3751,7 +3751,7 @@
           <a:p>
             <a:r>
               <a:rPr lang="en-US" smtClean="0"/>
-              <a:t>© 2015 EV3Lessons.com (Last edit: 2/28/2015)</a:t>
+              <a:t>© 2015 EV3Lessons.com, Last Edit 5/30/2015</a:t>
             </a:r>
             <a:endParaRPr lang="en-US"/>
           </a:p>
@@ -3851,9 +3851,9 @@
           <a:bodyPr/>
           <a:lstStyle/>
           <a:p>
-            <a:fld id="{D25C93B4-6620-4F3A-9A8C-6A619592FB07}" type="datetime1">
+            <a:fld id="{14701968-E267-4130-873C-F0CF2BE71D24}" type="datetime1">
               <a:rPr lang="en-US" smtClean="0"/>
-              <a:t>7/14/2015</a:t>
+              <a:t>11/4/2015</a:t>
             </a:fld>
             <a:endParaRPr lang="en-US"/>
           </a:p>
@@ -3876,7 +3876,7 @@
           <a:p>
             <a:r>
               <a:rPr lang="en-US" smtClean="0"/>
-              <a:t>© 2015 EV3Lessons.com (Last edit: 2/28/2015)</a:t>
+              <a:t>© 2015 EV3Lessons.com, Last Edit 5/30/2015</a:t>
             </a:r>
             <a:endParaRPr lang="en-US"/>
           </a:p>
@@ -3953,9 +3953,9 @@
           <a:bodyPr/>
           <a:lstStyle/>
           <a:p>
-            <a:fld id="{E73D6DDA-3CA6-4617-8B7E-B5E120C5BC04}" type="datetime1">
+            <a:fld id="{EE0A79E7-25D6-4740-98FD-1E1FBEFD166F}" type="datetime1">
               <a:rPr lang="en-US" smtClean="0"/>
-              <a:t>7/14/2015</a:t>
+              <a:t>11/4/2015</a:t>
             </a:fld>
             <a:endParaRPr lang="en-US"/>
           </a:p>
@@ -3978,7 +3978,7 @@
           <a:p>
             <a:r>
               <a:rPr lang="en-US" smtClean="0"/>
-              <a:t>© 2015 EV3Lessons.com (Last edit: 2/28/2015)</a:t>
+              <a:t>© 2015 EV3Lessons.com, Last Edit 5/30/2015</a:t>
             </a:r>
             <a:endParaRPr lang="en-US"/>
           </a:p>
@@ -4207,9 +4207,9 @@
           <a:bodyPr/>
           <a:lstStyle/>
           <a:p>
-            <a:fld id="{19A0D056-0074-4E40-B1A7-1409BEB26454}" type="datetime1">
+            <a:fld id="{4B1B14D1-A5B1-4A39-8182-1B5E09C00B90}" type="datetime1">
               <a:rPr lang="en-US" smtClean="0"/>
-              <a:t>7/14/2015</a:t>
+              <a:t>11/4/2015</a:t>
             </a:fld>
             <a:endParaRPr lang="en-US"/>
           </a:p>
@@ -4232,7 +4232,7 @@
           <a:p>
             <a:r>
               <a:rPr lang="en-US" smtClean="0"/>
-              <a:t>© 2015 EV3Lessons.com (Last edit: 2/28/2015)</a:t>
+              <a:t>© 2015 EV3Lessons.com, Last Edit 5/30/2015</a:t>
             </a:r>
             <a:endParaRPr lang="en-US"/>
           </a:p>
@@ -4513,9 +4513,9 @@
           <a:bodyPr/>
           <a:lstStyle/>
           <a:p>
-            <a:fld id="{EEAB3C24-83FF-47B3-BCFC-45BFD7130B03}" type="datetime1">
+            <a:fld id="{493E2A61-33DC-4B15-B0BF-CC66064736AB}" type="datetime1">
               <a:rPr lang="en-US" smtClean="0"/>
-              <a:t>7/14/2015</a:t>
+              <a:t>11/4/2015</a:t>
             </a:fld>
             <a:endParaRPr lang="en-US"/>
           </a:p>
@@ -4538,7 +4538,7 @@
           <a:p>
             <a:r>
               <a:rPr lang="en-US" smtClean="0"/>
-              <a:t>© 2015 EV3Lessons.com (Last edit: 2/28/2015)</a:t>
+              <a:t>© 2015 EV3Lessons.com, Last Edit 5/30/2015</a:t>
             </a:r>
             <a:endParaRPr lang="en-US"/>
           </a:p>
@@ -4811,9 +4811,9 @@
             </a:lvl1pPr>
           </a:lstStyle>
           <a:p>
-            <a:fld id="{9643CE61-8FA2-40C7-B457-2C5467A12179}" type="datetime1">
+            <a:fld id="{89493D0B-09FC-4D1F-8503-B6EE2D8E21EA}" type="datetime1">
               <a:rPr lang="en-US" smtClean="0"/>
-              <a:t>7/14/2015</a:t>
+              <a:t>11/4/2015</a:t>
             </a:fld>
             <a:endParaRPr lang="en-US"/>
           </a:p>
@@ -4852,7 +4852,7 @@
           <a:p>
             <a:r>
               <a:rPr lang="en-US" smtClean="0"/>
-              <a:t>© 2015 EV3Lessons.com (Last edit: 2/28/2015)</a:t>
+              <a:t>© 2015 EV3Lessons.com, Last Edit 5/30/2015</a:t>
             </a:r>
             <a:endParaRPr lang="en-US"/>
           </a:p>
@@ -5318,169 +5318,6 @@
           <a:chExt cx="0" cy="0"/>
         </a:xfrm>
       </p:grpSpPr>
-      <p:pic>
-        <p:nvPicPr>
-          <p:cNvPr id="6" name="Picture Placeholder 5" descr="Droidslogo2.png"/>
-          <p:cNvPicPr>
-            <a:picLocks noGrp="1" noChangeAspect="1"/>
-          </p:cNvPicPr>
-          <p:nvPr>
-            <p:ph type="pic" sz="quarter" idx="13"/>
-          </p:nvPr>
-        </p:nvPicPr>
-        <p:blipFill>
-          <a:blip r:embed="rId3" cstate="screen">
-            <a:extLst>
-              <a:ext uri="{28A0092B-C50C-407E-A947-70E740481C1C}">
-                <a14:useLocalDpi xmlns:a14="http://schemas.microsoft.com/office/drawing/2010/main" val="0"/>
-              </a:ext>
-            </a:extLst>
-          </a:blip>
-          <a:srcRect/>
-          <a:stretch>
-            <a:fillRect/>
-          </a:stretch>
-        </p:blipFill>
-        <p:spPr>
-          <a:xfrm>
-            <a:off x="247673" y="5252598"/>
-            <a:ext cx="1209338" cy="1145791"/>
-          </a:xfrm>
-        </p:spPr>
-      </p:pic>
-      <p:sp>
-        <p:nvSpPr>
-          <p:cNvPr id="4" name="Subtitle 3"/>
-          <p:cNvSpPr>
-            <a:spLocks noGrp="1"/>
-          </p:cNvSpPr>
-          <p:nvPr>
-            <p:ph type="subTitle" idx="1"/>
-          </p:nvPr>
-        </p:nvSpPr>
-        <p:spPr>
-          <a:xfrm>
-            <a:off x="1009935" y="3288773"/>
-            <a:ext cx="7754928" cy="1145791"/>
-          </a:xfrm>
-        </p:spPr>
-        <p:txBody>
-          <a:bodyPr>
-            <a:normAutofit/>
-          </a:bodyPr>
-          <a:lstStyle/>
-          <a:p>
-            <a:pPr algn="r" rtl="1"/>
-            <a:r>
-              <a:rPr lang="he-IL" dirty="0" smtClean="0">
-                <a:solidFill>
-                  <a:schemeClr val="tx1"/>
-                </a:solidFill>
-                <a:latin typeface="Gan CLM" panose="02000803000000000000" pitchFamily="2" charset="-79"/>
-                <a:cs typeface="Gan CLM" panose="02000803000000000000" pitchFamily="2" charset="-79"/>
-              </a:rPr>
-              <a:t>נכתב במקור ע"י קבוצת </a:t>
-            </a:r>
-            <a:r>
-              <a:rPr lang="en-US" b="1" dirty="0" smtClean="0">
-                <a:solidFill>
-                  <a:schemeClr val="tx1"/>
-                </a:solidFill>
-                <a:latin typeface="+mj-lt"/>
-                <a:cs typeface="Gan CLM" panose="02000803000000000000" pitchFamily="2" charset="-79"/>
-              </a:rPr>
-              <a:t>DROID ROBOTICS</a:t>
-            </a:r>
-            <a:r>
-              <a:rPr lang="he-IL" b="1" dirty="0" smtClean="0">
-                <a:solidFill>
-                  <a:schemeClr val="tx1"/>
-                </a:solidFill>
-                <a:latin typeface="+mj-lt"/>
-                <a:cs typeface="Gan CLM" panose="02000803000000000000" pitchFamily="2" charset="-79"/>
-              </a:rPr>
-              <a:t> </a:t>
-            </a:r>
-            <a:r>
-              <a:rPr lang="en-US" b="1" dirty="0">
-                <a:solidFill>
-                  <a:schemeClr val="tx1"/>
-                </a:solidFill>
-                <a:latin typeface="+mj-lt"/>
-                <a:cs typeface="Gan CLM" panose="02000803000000000000" pitchFamily="2" charset="-79"/>
-              </a:rPr>
-              <a:t> </a:t>
-            </a:r>
-            <a:r>
-              <a:rPr lang="he-IL" b="1" dirty="0">
-                <a:solidFill>
-                  <a:schemeClr val="tx1"/>
-                </a:solidFill>
-                <a:latin typeface="+mj-lt"/>
-                <a:cs typeface="Gan CLM" panose="02000803000000000000" pitchFamily="2" charset="-79"/>
-              </a:rPr>
-              <a:t> </a:t>
-            </a:r>
-            <a:r>
-              <a:rPr lang="he-IL" dirty="0" smtClean="0">
-                <a:solidFill>
-                  <a:schemeClr val="tx1"/>
-                </a:solidFill>
-                <a:latin typeface="Gan CLM" panose="02000803000000000000" pitchFamily="2" charset="-79"/>
-                <a:cs typeface="Gan CLM" panose="02000803000000000000" pitchFamily="2" charset="-79"/>
-              </a:rPr>
-              <a:t>תורגם לעברית ע"י קבוצה </a:t>
-            </a:r>
-            <a:r>
-              <a:rPr lang="en-US" b="1" dirty="0" smtClean="0">
-                <a:solidFill>
-                  <a:schemeClr val="tx1"/>
-                </a:solidFill>
-                <a:latin typeface="+mj-lt"/>
-                <a:cs typeface="Gan CLM" panose="02000803000000000000" pitchFamily="2" charset="-79"/>
-              </a:rPr>
-              <a:t>FLASH #</a:t>
-            </a:r>
-            <a:r>
-              <a:rPr lang="en-US" dirty="0" smtClean="0">
-                <a:solidFill>
-                  <a:schemeClr val="tx1"/>
-                </a:solidFill>
-                <a:latin typeface="Gan CLM" panose="02000803000000000000" pitchFamily="2" charset="-79"/>
-                <a:cs typeface="Gan CLM" panose="02000803000000000000" pitchFamily="2" charset="-79"/>
-              </a:rPr>
-              <a:t>74</a:t>
-            </a:r>
-            <a:r>
-              <a:rPr lang="he-IL" dirty="0" smtClean="0">
-                <a:solidFill>
-                  <a:schemeClr val="tx1"/>
-                </a:solidFill>
-                <a:latin typeface="Gan CLM" panose="02000803000000000000" pitchFamily="2" charset="-79"/>
-                <a:cs typeface="Gan CLM" panose="02000803000000000000" pitchFamily="2" charset="-79"/>
-              </a:rPr>
-              <a:t> בית ספר על שם יצחק </a:t>
-            </a:r>
-            <a:r>
-              <a:rPr lang="he-IL" dirty="0" err="1" smtClean="0">
-                <a:solidFill>
-                  <a:schemeClr val="tx1"/>
-                </a:solidFill>
-                <a:latin typeface="Gan CLM" panose="02000803000000000000" pitchFamily="2" charset="-79"/>
-                <a:cs typeface="Gan CLM" panose="02000803000000000000" pitchFamily="2" charset="-79"/>
-              </a:rPr>
-              <a:t>רבין,שוהם</a:t>
-            </a:r>
-            <a:endParaRPr lang="en-US" dirty="0">
-              <a:solidFill>
-                <a:schemeClr val="tx1"/>
-              </a:solidFill>
-              <a:latin typeface="Gan CLM" panose="02000803000000000000" pitchFamily="2" charset="-79"/>
-              <a:cs typeface="Gan CLM" panose="02000803000000000000" pitchFamily="2" charset="-79"/>
-            </a:endParaRPr>
-          </a:p>
-        </p:txBody>
-      </p:sp>
       <p:sp>
         <p:nvSpPr>
           <p:cNvPr id="2" name="Title 1"/>
@@ -5512,17 +5349,7 @@
                 <a:latin typeface="Gan CLM" panose="02000803000000000000" pitchFamily="2" charset="-79"/>
                 <a:cs typeface="Gan CLM" panose="02000803000000000000" pitchFamily="2" charset="-79"/>
               </a:rPr>
-              <a:t>נושא השיעור: </a:t>
-            </a:r>
-            <a:r>
-              <a:rPr lang="he-IL" sz="5000" dirty="0" smtClean="0">
-                <a:solidFill>
-                  <a:srgbClr val="FF0000"/>
-                </a:solidFill>
-                <a:latin typeface="Gan CLM" panose="02000803000000000000" pitchFamily="2" charset="-79"/>
-                <a:cs typeface="Gan CLM" panose="02000803000000000000" pitchFamily="2" charset="-79"/>
-              </a:rPr>
-              <a:t>מעקב פשוט אחרי קו</a:t>
+              <a:t>נושא השיעור: מעקב פשוט אחרי קו</a:t>
             </a:r>
             <a:endParaRPr lang="en-US" sz="5000" dirty="0">
               <a:solidFill>
@@ -5617,52 +5444,6 @@
           </a:p>
         </p:txBody>
       </p:sp>
-      <p:sp>
-        <p:nvSpPr>
-          <p:cNvPr id="10" name="Footer Placeholder 9"/>
-          <p:cNvSpPr>
-            <a:spLocks noGrp="1"/>
-          </p:cNvSpPr>
-          <p:nvPr>
-            <p:ph type="ftr" sz="quarter" idx="11"/>
-          </p:nvPr>
-        </p:nvSpPr>
-        <p:spPr/>
-        <p:txBody>
-          <a:bodyPr/>
-          <a:lstStyle/>
-          <a:p>
-            <a:r>
-              <a:rPr lang="fr-FR" smtClean="0"/>
-              <a:t>© 2015 EV3Lessons.com, Last Edit 5/30/2015</a:t>
-            </a:r>
-            <a:endParaRPr lang="en-US"/>
-          </a:p>
-        </p:txBody>
-      </p:sp>
-      <p:sp>
-        <p:nvSpPr>
-          <p:cNvPr id="5" name="Slide Number Placeholder 4"/>
-          <p:cNvSpPr>
-            <a:spLocks noGrp="1"/>
-          </p:cNvSpPr>
-          <p:nvPr>
-            <p:ph type="sldNum" sz="quarter" idx="12"/>
-          </p:nvPr>
-        </p:nvSpPr>
-        <p:spPr/>
-        <p:txBody>
-          <a:bodyPr/>
-          <a:lstStyle/>
-          <a:p>
-            <a:fld id="{7F5CE407-6216-4202-80E4-A30DC2F709B2}" type="slidenum">
-              <a:rPr lang="en-US" smtClean="0"/>
-              <a:t>1</a:t>
-            </a:fld>
-            <a:endParaRPr lang="en-US"/>
-          </a:p>
-        </p:txBody>
-      </p:sp>
       <p:pic>
         <p:nvPicPr>
           <p:cNvPr id="8" name="Picture 7" descr="EV3Lessons.com"/>
@@ -5672,7 +5453,7 @@
           <p:nvPr/>
         </p:nvPicPr>
         <p:blipFill>
-          <a:blip r:embed="rId4" cstate="email">
+          <a:blip r:embed="rId3" cstate="email">
             <a:extLst>
               <a:ext uri="{28A0092B-C50C-407E-A947-70E740481C1C}">
                 <a14:useLocalDpi xmlns:a14="http://schemas.microsoft.com/office/drawing/2010/main" val="0"/>
@@ -5686,7 +5467,7 @@
         </p:blipFill>
         <p:spPr bwMode="auto">
           <a:xfrm>
-            <a:off x="6042159" y="5494645"/>
+            <a:off x="5760805" y="5216091"/>
             <a:ext cx="2940317" cy="1092118"/>
           </a:xfrm>
           <a:prstGeom prst="rect">
@@ -5706,14 +5487,14 @@
       </p:pic>
       <p:pic>
         <p:nvPicPr>
-          <p:cNvPr id="7" name="תמונה 6"/>
+          <p:cNvPr id="9" name="Picture 8"/>
           <p:cNvPicPr>
             <a:picLocks noChangeAspect="1"/>
           </p:cNvPicPr>
           <p:nvPr/>
         </p:nvPicPr>
         <p:blipFill>
-          <a:blip r:embed="rId5" cstate="screen">
+          <a:blip r:embed="rId4">
             <a:extLst>
               <a:ext uri="{28A0092B-C50C-407E-A947-70E740481C1C}">
                 <a14:useLocalDpi xmlns:a14="http://schemas.microsoft.com/office/drawing/2010/main" val="0"/>
@@ -5726,14 +5507,63 @@
         </p:blipFill>
         <p:spPr>
           <a:xfrm>
-            <a:off x="2823005" y="5071677"/>
-            <a:ext cx="1984430" cy="1547917"/>
+            <a:off x="343051" y="5071509"/>
+            <a:ext cx="1485749" cy="1421366"/>
           </a:xfrm>
           <a:prstGeom prst="rect">
             <a:avLst/>
           </a:prstGeom>
         </p:spPr>
       </p:pic>
+      <p:sp>
+        <p:nvSpPr>
+          <p:cNvPr id="12" name="TextBox 11"/>
+          <p:cNvSpPr txBox="1"/>
+          <p:nvPr/>
+        </p:nvSpPr>
+        <p:spPr>
+          <a:xfrm flipH="1">
+            <a:off x="1828800" y="6123543"/>
+            <a:ext cx="2468881" cy="369332"/>
+          </a:xfrm>
+          <a:prstGeom prst="rect">
+            <a:avLst/>
+          </a:prstGeom>
+          <a:noFill/>
+        </p:spPr>
+        <p:txBody>
+          <a:bodyPr wrap="square" rtlCol="0">
+            <a:spAutoFit/>
+          </a:bodyPr>
+          <a:lstStyle/>
+          <a:p>
+            <a:r>
+              <a:rPr lang="en-US" dirty="0" smtClean="0"/>
+              <a:t>By Droids Robotics</a:t>
+            </a:r>
+            <a:endParaRPr lang="en-US" dirty="0"/>
+          </a:p>
+        </p:txBody>
+      </p:sp>
+      <p:sp>
+        <p:nvSpPr>
+          <p:cNvPr id="13" name="Subtitle 12"/>
+          <p:cNvSpPr>
+            <a:spLocks noGrp="1"/>
+          </p:cNvSpPr>
+          <p:nvPr>
+            <p:ph type="subTitle" idx="1"/>
+          </p:nvPr>
+        </p:nvSpPr>
+        <p:spPr/>
+        <p:txBody>
+          <a:bodyPr/>
+          <a:lstStyle/>
+          <a:p>
+            <a:endParaRPr lang="en-US"/>
+          </a:p>
+        </p:txBody>
+      </p:sp>
     </p:spTree>
     <p:extLst>
       <p:ext uri="{BB962C8B-B14F-4D97-AF65-F5344CB8AC3E}">
@@ -5992,7 +5822,7 @@
           <a:p>
             <a:r>
               <a:rPr lang="en-US" smtClean="0"/>
-              <a:t>© 2015 EV3Lessons.com (Last edit: 2/28/2015)</a:t>
+              <a:t>© 2015 EV3Lessons.com, Last Edit 5/30/2015</a:t>
             </a:r>
             <a:endParaRPr lang="en-US"/>
           </a:p>
@@ -6969,7 +6799,7 @@
           <a:p>
             <a:r>
               <a:rPr lang="en-US" smtClean="0"/>
-              <a:t>© 2015 EV3Lessons.com (Last edit: 2/28/2015)</a:t>
+              <a:t>© 2015 EV3Lessons.com, Last Edit 5/30/2015</a:t>
             </a:r>
             <a:endParaRPr lang="en-US"/>
           </a:p>
@@ -7438,7 +7268,7 @@
           <a:p>
             <a:r>
               <a:rPr lang="en-US" smtClean="0"/>
-              <a:t>© 2015 EV3Lessons.com (Last edit: 2/28/2015)</a:t>
+              <a:t>© 2015 EV3Lessons.com, Last Edit 5/30/2015</a:t>
             </a:r>
             <a:endParaRPr lang="en-US"/>
           </a:p>
@@ -7911,7 +7741,7 @@
           <a:p>
             <a:r>
               <a:rPr lang="en-US" smtClean="0"/>
-              <a:t>© 2015 EV3Lessons.com (Last edit: 2/28/2015)</a:t>
+              <a:t>© 2015 EV3Lessons.com, Last Edit 5/30/2015</a:t>
             </a:r>
             <a:endParaRPr lang="en-US"/>
           </a:p>
@@ -8091,7 +7921,7 @@
           <a:p>
             <a:r>
               <a:rPr lang="en-US" smtClean="0"/>
-              <a:t>© 2015 EV3Lessons.com (Last edit: 2/28/2015)</a:t>
+              <a:t>© 2015 EV3Lessons.com, Last Edit 5/30/2015</a:t>
             </a:r>
             <a:endParaRPr lang="en-US"/>
           </a:p>
@@ -8346,7 +8176,7 @@
           <a:p>
             <a:r>
               <a:rPr lang="en-US" smtClean="0"/>
-              <a:t>© 2015 EV3Lessons.com (Last edit: 2/28/2015)</a:t>
+              <a:t>© 2015 EV3Lessons.com, Last Edit 5/30/2015</a:t>
             </a:r>
             <a:endParaRPr lang="en-US"/>
           </a:p>
@@ -8637,8 +8467,29 @@
                 <a:latin typeface="Guttman Kav" panose="02010401010101010101" pitchFamily="2" charset="-79"/>
                 <a:cs typeface="Guttman Kav" panose="02010401010101010101" pitchFamily="2" charset="-79"/>
               </a:rPr>
-              <a:t>	</a:t>
-            </a:r>
+              <a:t>	הרובוט יודע לבדוק רק אם הוא על או לא על הקו.</a:t>
+            </a:r>
+          </a:p>
+          <a:p>
+            <a:pPr algn="r" rtl="1">
+              <a:buClr>
+                <a:srgbClr val="FF0000"/>
+              </a:buClr>
+            </a:pPr>
+            <a:r>
+              <a:rPr lang="he-IL" dirty="0">
+                <a:latin typeface="Guttman Kav" panose="02010401010101010101" pitchFamily="2" charset="-79"/>
+                <a:cs typeface="Guttman Kav" panose="02010401010101010101" pitchFamily="2" charset="-79"/>
+              </a:rPr>
+              <a:t>זהו מעקב אחרי קו בסיסי. איזה דברים היו לא טובים לגבי מעקב אחרי הקו הזה? האם אתם חושבים שאפשר לשפר את הקו הזה?</a:t>
+            </a:r>
+          </a:p>
+          <a:p>
+            <a:pPr algn="r" rtl="1">
+              <a:buClr>
+                <a:srgbClr val="FF0000"/>
+              </a:buClr>
+            </a:pPr>
             <a:r>
               <a:rPr lang="he-IL" dirty="0">
                 <a:solidFill>
@@ -8647,7 +8498,7 @@
                 <a:latin typeface="Guttman Kav" panose="02010401010101010101" pitchFamily="2" charset="-79"/>
                 <a:cs typeface="Guttman Kav" panose="02010401010101010101" pitchFamily="2" charset="-79"/>
               </a:rPr>
-              <a:t>הרובוט יודע לבדוק רק אם הוא על או לא על הקו.</a:t>
+              <a:t>	תגלו את זה בהמשך . מעקבים אחרי קווים חלקים יותר בשיעורים 	למתקדמים</a:t>
             </a:r>
           </a:p>
           <a:p>
@@ -8661,7 +8512,7 @@
                 <a:latin typeface="Guttman Kav" panose="02010401010101010101" pitchFamily="2" charset="-79"/>
                 <a:cs typeface="Guttman Kav" panose="02010401010101010101" pitchFamily="2" charset="-79"/>
               </a:rPr>
-              <a:t>זהו מעקב אחרי קו בסיסי. איזה דברים היו לא טובים לגבי מעקב אחרי הקו הזה? האם אתם חושבים שאפשר לשפר את הקו הזה?</a:t>
+              <a:t>איזה חיישן מודד עד כמה נסעת?</a:t>
             </a:r>
           </a:p>
           <a:p>
@@ -8678,58 +8529,7 @@
                 <a:latin typeface="Guttman Kav" panose="02010401010101010101" pitchFamily="2" charset="-79"/>
                 <a:cs typeface="Guttman Kav" panose="02010401010101010101" pitchFamily="2" charset="-79"/>
               </a:rPr>
-              <a:t>	</a:t>
-            </a:r>
-            <a:r>
-              <a:rPr lang="he-IL" dirty="0">
-                <a:solidFill>
-                  <a:srgbClr val="FF0000"/>
-                </a:solidFill>
-                <a:latin typeface="Guttman Kav" panose="02010401010101010101" pitchFamily="2" charset="-79"/>
-                <a:cs typeface="Guttman Kav" panose="02010401010101010101" pitchFamily="2" charset="-79"/>
-              </a:rPr>
-              <a:t>תגלו את זה בהמשך . מעקבים אחרי קווים חלקים יותר בשיעורים 	למתקדמים</a:t>
-            </a:r>
-          </a:p>
-          <a:p>
-            <a:pPr algn="r" rtl="1">
-              <a:buClr>
-                <a:srgbClr val="FF0000"/>
-              </a:buClr>
-            </a:pPr>
-            <a:r>
-              <a:rPr lang="he-IL" dirty="0">
-                <a:latin typeface="Guttman Kav" panose="02010401010101010101" pitchFamily="2" charset="-79"/>
-                <a:cs typeface="Guttman Kav" panose="02010401010101010101" pitchFamily="2" charset="-79"/>
-              </a:rPr>
-              <a:t>איזה חיישן מודד עד כמה נסעת?</a:t>
-            </a:r>
-          </a:p>
-          <a:p>
-            <a:pPr algn="r" rtl="1">
-              <a:buClr>
-                <a:srgbClr val="FF0000"/>
-              </a:buClr>
-            </a:pPr>
-            <a:r>
-              <a:rPr lang="he-IL" dirty="0">
-                <a:solidFill>
-                  <a:srgbClr val="FF0000"/>
-                </a:solidFill>
-                <a:latin typeface="Guttman Kav" panose="02010401010101010101" pitchFamily="2" charset="-79"/>
-                <a:cs typeface="Guttman Kav" panose="02010401010101010101" pitchFamily="2" charset="-79"/>
-              </a:rPr>
-              <a:t>	</a:t>
-            </a:r>
-            <a:r>
-              <a:rPr lang="he-IL" dirty="0">
-                <a:solidFill>
-                  <a:srgbClr val="FF0000"/>
-                </a:solidFill>
-                <a:latin typeface="Guttman Kav" panose="02010401010101010101" pitchFamily="2" charset="-79"/>
-                <a:cs typeface="Guttman Kav" panose="02010401010101010101" pitchFamily="2" charset="-79"/>
-              </a:rPr>
-              <a:t>חיישן הסיבוב אשר השתמשנו בו באתגר 2 מודד עד כמה הגלגלים 	הסתובבו</a:t>
+              <a:t>	חיישן הסיבוב אשר השתמשנו בו באתגר 2 מודד עד כמה הגלגלים 	הסתובבו</a:t>
             </a:r>
           </a:p>
           <a:p>
@@ -8793,7 +8593,7 @@
           <a:p>
             <a:r>
               <a:rPr lang="en-US" smtClean="0"/>
-              <a:t>© 2015 EV3Lessons.com (Last edit: 2/28/2015)</a:t>
+              <a:t>© 2015 EV3Lessons.com, Last Edit 5/30/2015</a:t>
             </a:r>
             <a:endParaRPr lang="en-US"/>
           </a:p>
@@ -9016,7 +8816,7 @@
               <a:buNone/>
             </a:pPr>
             <a:r>
-              <a:rPr lang="en-US" sz="3800" b="1" dirty="0" smtClean="0">
+              <a:rPr lang="en-US" sz="3800" b="1" smtClean="0">
                 <a:solidFill>
                   <a:schemeClr val="tx1"/>
                 </a:solidFill>
@@ -9024,10 +8824,10 @@
                 <a:ea typeface="+mj-ea"/>
                 <a:cs typeface="Gan CLM" panose="02000803000000000000" pitchFamily="2" charset="-79"/>
               </a:rPr>
-              <a:t>Droid</a:t>
-            </a:r>
-            <a:r>
-              <a:rPr lang="en-US" sz="3800" b="1" dirty="0" smtClean="0">
+              <a:t>Droids</a:t>
+            </a:r>
+            <a:r>
+              <a:rPr lang="en-US" sz="3800" b="1" smtClean="0">
                 <a:solidFill>
                   <a:schemeClr val="tx1"/>
                 </a:solidFill>
@@ -9499,11 +9299,11 @@
   <p:clrMapOvr>
     <a:masterClrMapping/>
   </p:clrMapOvr>
-  <mc:AlternateContent xmlns:mc="http://schemas.openxmlformats.org/markup-compatibility/2006">
-    <mc:Choice xmlns:p14="http://schemas.microsoft.com/office/powerpoint/2010/main" Requires="p14">
+  <mc:AlternateContent xmlns:mc="http://schemas.openxmlformats.org/markup-compatibility/2006" xmlns:p14="http://schemas.microsoft.com/office/powerpoint/2010/main">
+    <mc:Choice Requires="p14">
       <p:transition spd="slow" p14:dur="2000"/>
     </mc:Choice>
-    <mc:Fallback>
+    <mc:Fallback xmlns="">
       <p:transition spd="slow"/>
     </mc:Fallback>
   </mc:AlternateContent>
@@ -9738,7 +9538,7 @@
           <a:p>
             <a:r>
               <a:rPr lang="en-US" smtClean="0"/>
-              <a:t>© 2015 EV3Lessons.com (Last edit: 2/28/2015)</a:t>
+              <a:t>© 2015 EV3Lessons.com, Last Edit 5/30/2015</a:t>
             </a:r>
             <a:endParaRPr lang="en-US"/>
           </a:p>
@@ -9967,7 +9767,7 @@
           <a:p>
             <a:r>
               <a:rPr lang="en-US" smtClean="0"/>
-              <a:t>© 2015 EV3Lessons.com (Last edit: 2/28/2015)</a:t>
+              <a:t>© 2015 EV3Lessons.com, Last Edit 5/30/2015</a:t>
             </a:r>
             <a:endParaRPr lang="en-US"/>
           </a:p>
@@ -10156,7 +9956,7 @@
           <a:p>
             <a:r>
               <a:rPr lang="en-US" smtClean="0"/>
-              <a:t>© 2015 EV3Lessons.com (Last edit: 2/28/2015)</a:t>
+              <a:t>© 2015 EV3Lessons.com, Last Edit 5/30/2015</a:t>
             </a:r>
             <a:endParaRPr lang="en-US"/>
           </a:p>
@@ -11767,7 +11567,7 @@
           <a:p>
             <a:r>
               <a:rPr lang="en-US" smtClean="0"/>
-              <a:t>© 2015 EV3Lessons.com (Last edit: 2/28/2015)</a:t>
+              <a:t>© 2015 EV3Lessons.com, Last Edit 5/30/2015</a:t>
             </a:r>
             <a:endParaRPr lang="en-US"/>
           </a:p>
@@ -13528,7 +13328,7 @@
           <a:p>
             <a:r>
               <a:rPr lang="en-US" smtClean="0"/>
-              <a:t>© 2015 EV3Lessons.com (Last edit: 2/28/2015)</a:t>
+              <a:t>© 2015 EV3Lessons.com, Last Edit 5/30/2015</a:t>
             </a:r>
             <a:endParaRPr lang="en-US"/>
           </a:p>
@@ -14475,7 +14275,7 @@
           <a:p>
             <a:r>
               <a:rPr lang="en-US" smtClean="0"/>
-              <a:t>© 2015 EV3Lessons.com (Last edit: 2/28/2015)</a:t>
+              <a:t>© 2015 EV3Lessons.com, Last Edit 5/30/2015</a:t>
             </a:r>
             <a:endParaRPr lang="en-US"/>
           </a:p>
@@ -14939,7 +14739,7 @@
           <a:p>
             <a:r>
               <a:rPr lang="en-US" smtClean="0"/>
-              <a:t>© 2015 EV3Lessons.com (Last edit: 2/28/2015)</a:t>
+              <a:t>© 2015 EV3Lessons.com, Last Edit 5/30/2015</a:t>
             </a:r>
             <a:endParaRPr lang="en-US"/>
           </a:p>
@@ -16288,7 +16088,7 @@
           <a:p>
             <a:r>
               <a:rPr lang="en-US" smtClean="0"/>
-              <a:t>© 2015 EV3Lessons.com (Last edit: 2/28/2015)</a:t>
+              <a:t>© 2015 EV3Lessons.com, Last Edit 5/30/2015</a:t>
             </a:r>
             <a:endParaRPr lang="en-US"/>
           </a:p>
